--- a/doc/codecamp/slides.pptx
+++ b/doc/codecamp/slides.pptx
@@ -6,13 +6,12 @@
   </p:sldMasterIdLst>
   <p:sldIdLst>
     <p:sldId id="256" r:id="rId2"/>
-    <p:sldId id="257" r:id="rId3"/>
-    <p:sldId id="263" r:id="rId4"/>
+    <p:sldId id="265" r:id="rId3"/>
+    <p:sldId id="259" r:id="rId4"/>
     <p:sldId id="258" r:id="rId5"/>
-    <p:sldId id="259" r:id="rId6"/>
-    <p:sldId id="260" r:id="rId7"/>
-    <p:sldId id="261" r:id="rId8"/>
-    <p:sldId id="262" r:id="rId9"/>
+    <p:sldId id="261" r:id="rId6"/>
+    <p:sldId id="264" r:id="rId7"/>
+    <p:sldId id="262" r:id="rId8"/>
   </p:sldIdLst>
   <p:sldSz cx="9144000" cy="6858000" type="screen4x3"/>
   <p:notesSz cx="6858000" cy="9144000"/>
@@ -3102,6 +3101,47 @@
           <a:chExt cx="0" cy="0"/>
         </a:xfrm>
       </p:grpSpPr>
+      <p:pic>
+        <p:nvPicPr>
+          <p:cNvPr id="7170" name="Picture 2" descr="http://s.localo.com/i/l186220/hacienda_el_cafetal_1320348945.JPG"/>
+          <p:cNvPicPr>
+            <a:picLocks noChangeAspect="1" noChangeArrowheads="1"/>
+          </p:cNvPicPr>
+          <p:nvPr/>
+        </p:nvPicPr>
+        <p:blipFill>
+          <a:blip r:embed="rId2" cstate="print">
+            <a:extLst>
+              <a:ext uri="{28A0092B-C50C-407E-A947-70E740481C1C}">
+                <a14:useLocalDpi xmlns:a14="http://schemas.microsoft.com/office/drawing/2010/main" val="0"/>
+              </a:ext>
+            </a:extLst>
+          </a:blip>
+          <a:srcRect/>
+          <a:stretch>
+            <a:fillRect/>
+          </a:stretch>
+        </p:blipFill>
+        <p:spPr bwMode="auto">
+          <a:xfrm>
+            <a:off x="-1073" y="-1"/>
+            <a:ext cx="9145073" cy="6858001"/>
+          </a:xfrm>
+          <a:prstGeom prst="rect">
+            <a:avLst/>
+          </a:prstGeom>
+          <a:noFill/>
+          <a:extLst>
+            <a:ext uri="{909E8E84-426E-40DD-AFC4-6F175D3DCCD1}">
+              <a14:hiddenFill xmlns:a14="http://schemas.microsoft.com/office/drawing/2010/main">
+                <a:solidFill>
+                  <a:srgbClr val="FFFFFF"/>
+                </a:solidFill>
+              </a14:hiddenFill>
+            </a:ext>
+          </a:extLst>
+        </p:spPr>
+      </p:pic>
       <p:sp>
         <p:nvSpPr>
           <p:cNvPr id="2" name="Title 1"/>
@@ -3112,7 +3152,27 @@
             <p:ph type="ctrTitle"/>
           </p:nvPr>
         </p:nvSpPr>
-        <p:spPr/>
+        <p:spPr>
+          <a:xfrm>
+            <a:off x="685800" y="2693988"/>
+            <a:ext cx="7772400" cy="1470025"/>
+          </a:xfrm>
+          <a:ln/>
+        </p:spPr>
+        <p:style>
+          <a:lnRef idx="3">
+            <a:schemeClr val="lt1"/>
+          </a:lnRef>
+          <a:fillRef idx="1">
+            <a:schemeClr val="accent3"/>
+          </a:fillRef>
+          <a:effectRef idx="1">
+            <a:schemeClr val="accent3"/>
+          </a:effectRef>
+          <a:fontRef idx="minor">
+            <a:schemeClr val="lt1"/>
+          </a:fontRef>
+        </p:style>
         <p:txBody>
           <a:bodyPr>
             <a:normAutofit fontScale="90000"/>
@@ -3152,68 +3212,6 @@
 </file>
 
 <file path=ppt/slides/slide2.xml><?xml version="1.0" encoding="utf-8"?>
-<p:sld xmlns:a="http://schemas.openxmlformats.org/drawingml/2006/main" xmlns:r="http://schemas.openxmlformats.org/officeDocument/2006/relationships" xmlns:p="http://schemas.openxmlformats.org/presentationml/2006/main">
-  <p:cSld>
-    <p:spTree>
-      <p:nvGrpSpPr>
-        <p:cNvPr id="1" name=""/>
-        <p:cNvGrpSpPr/>
-        <p:nvPr/>
-      </p:nvGrpSpPr>
-      <p:grpSpPr>
-        <a:xfrm>
-          <a:off x="0" y="0"/>
-          <a:ext cx="0" cy="0"/>
-          <a:chOff x="0" y="0"/>
-          <a:chExt cx="0" cy="0"/>
-        </a:xfrm>
-      </p:grpSpPr>
-      <p:sp>
-        <p:nvSpPr>
-          <p:cNvPr id="2" name="Title 1"/>
-          <p:cNvSpPr>
-            <a:spLocks noGrp="1"/>
-          </p:cNvSpPr>
-          <p:nvPr>
-            <p:ph type="ctrTitle"/>
-          </p:nvPr>
-        </p:nvSpPr>
-        <p:spPr/>
-        <p:txBody>
-          <a:bodyPr>
-            <a:normAutofit/>
-          </a:bodyPr>
-          <a:lstStyle/>
-          <a:p>
-            <a:r>
-              <a:rPr lang="en-US" dirty="0" smtClean="0"/>
-              <a:t>Acceptance Tests</a:t>
-            </a:r>
-            <a:endParaRPr lang="en-US" dirty="0"/>
-          </a:p>
-        </p:txBody>
-      </p:sp>
-    </p:spTree>
-    <p:extLst>
-      <p:ext uri="{BB962C8B-B14F-4D97-AF65-F5344CB8AC3E}">
-        <p14:creationId xmlns:p14="http://schemas.microsoft.com/office/powerpoint/2010/main" val="438301078"/>
-      </p:ext>
-    </p:extLst>
-  </p:cSld>
-  <p:clrMapOvr>
-    <a:masterClrMapping/>
-  </p:clrMapOvr>
-  <p:timing>
-    <p:tnLst>
-      <p:par>
-        <p:cTn id="1" dur="indefinite" restart="never" nodeType="tmRoot"/>
-      </p:par>
-    </p:tnLst>
-  </p:timing>
-</p:sld>
-</file>
-
-<file path=ppt/slides/slide3.xml><?xml version="1.0" encoding="utf-8"?>
 <p:sld xmlns:a="http://schemas.openxmlformats.org/drawingml/2006/main" xmlns:r="http://schemas.openxmlformats.org/officeDocument/2006/relationships" xmlns:p="http://schemas.openxmlformats.org/presentationml/2006/main">
   <p:cSld>
     <p:bg>
@@ -3282,7 +3280,93 @@
     </p:spTree>
     <p:extLst>
       <p:ext uri="{BB962C8B-B14F-4D97-AF65-F5344CB8AC3E}">
-        <p14:creationId xmlns:p14="http://schemas.microsoft.com/office/powerpoint/2010/main" val="845375669"/>
+        <p14:creationId xmlns:p14="http://schemas.microsoft.com/office/powerpoint/2010/main" val="2629860789"/>
+      </p:ext>
+    </p:extLst>
+  </p:cSld>
+  <p:clrMapOvr>
+    <a:masterClrMapping/>
+  </p:clrMapOvr>
+  <p:timing>
+    <p:tnLst>
+      <p:par>
+        <p:cTn id="1" dur="indefinite" restart="never" nodeType="tmRoot"/>
+      </p:par>
+    </p:tnLst>
+  </p:timing>
+</p:sld>
+</file>
+
+<file path=ppt/slides/slide3.xml><?xml version="1.0" encoding="utf-8"?>
+<p:sld xmlns:a="http://schemas.openxmlformats.org/drawingml/2006/main" xmlns:r="http://schemas.openxmlformats.org/officeDocument/2006/relationships" xmlns:p="http://schemas.openxmlformats.org/presentationml/2006/main">
+  <p:cSld>
+    <p:bg>
+      <p:bgPr>
+        <a:solidFill>
+          <a:srgbClr val="DBCAB7"/>
+        </a:solidFill>
+        <a:effectLst/>
+      </p:bgPr>
+    </p:bg>
+    <p:spTree>
+      <p:nvGrpSpPr>
+        <p:cNvPr id="1" name=""/>
+        <p:cNvGrpSpPr/>
+        <p:nvPr/>
+      </p:nvGrpSpPr>
+      <p:grpSpPr>
+        <a:xfrm>
+          <a:off x="0" y="0"/>
+          <a:ext cx="0" cy="0"/>
+          <a:chOff x="0" y="0"/>
+          <a:chExt cx="0" cy="0"/>
+        </a:xfrm>
+      </p:grpSpPr>
+      <p:pic>
+        <p:nvPicPr>
+          <p:cNvPr id="3075" name="Picture 3" descr="C:\dev\decaf\doc\logo\decaf.png"/>
+          <p:cNvPicPr>
+            <a:picLocks noChangeAspect="1" noChangeArrowheads="1"/>
+          </p:cNvPicPr>
+          <p:nvPr/>
+        </p:nvPicPr>
+        <p:blipFill>
+          <a:blip r:embed="rId2">
+            <a:extLst>
+              <a:ext uri="{28A0092B-C50C-407E-A947-70E740481C1C}">
+                <a14:useLocalDpi xmlns:a14="http://schemas.microsoft.com/office/drawing/2010/main" val="0"/>
+              </a:ext>
+            </a:extLst>
+          </a:blip>
+          <a:srcRect/>
+          <a:stretch>
+            <a:fillRect/>
+          </a:stretch>
+        </p:blipFill>
+        <p:spPr bwMode="auto">
+          <a:xfrm>
+            <a:off x="1714500" y="2317750"/>
+            <a:ext cx="5715000" cy="2222500"/>
+          </a:xfrm>
+          <a:prstGeom prst="rect">
+            <a:avLst/>
+          </a:prstGeom>
+          <a:noFill/>
+          <a:extLst>
+            <a:ext uri="{909E8E84-426E-40DD-AFC4-6F175D3DCCD1}">
+              <a14:hiddenFill xmlns:a14="http://schemas.microsoft.com/office/drawing/2010/main">
+                <a:solidFill>
+                  <a:srgbClr val="FFFFFF"/>
+                </a:solidFill>
+              </a14:hiddenFill>
+            </a:ext>
+          </a:extLst>
+        </p:spPr>
+      </p:pic>
+    </p:spTree>
+    <p:extLst>
+      <p:ext uri="{BB962C8B-B14F-4D97-AF65-F5344CB8AC3E}">
+        <p14:creationId xmlns:p14="http://schemas.microsoft.com/office/powerpoint/2010/main" val="1095755835"/>
       </p:ext>
     </p:extLst>
   </p:cSld>
@@ -3390,9 +3474,26 @@
   <p:cSld>
     <p:bg>
       <p:bgPr>
-        <a:solidFill>
-          <a:srgbClr val="D9DFC9"/>
-        </a:solidFill>
+        <a:gradFill>
+          <a:gsLst>
+            <a:gs pos="0">
+              <a:schemeClr val="bg1">
+                <a:lumMod val="95000"/>
+              </a:schemeClr>
+            </a:gs>
+            <a:gs pos="50000">
+              <a:schemeClr val="bg1">
+                <a:lumMod val="85000"/>
+              </a:schemeClr>
+            </a:gs>
+            <a:gs pos="100000">
+              <a:schemeClr val="bg1">
+                <a:lumMod val="65000"/>
+              </a:schemeClr>
+            </a:gs>
+          </a:gsLst>
+          <a:lin ang="5400000" scaled="0"/>
+        </a:gradFill>
         <a:effectLst/>
       </p:bgPr>
     </p:bg>
@@ -3412,7 +3513,7 @@
       </p:grpSpPr>
       <p:pic>
         <p:nvPicPr>
-          <p:cNvPr id="3074" name="Picture 2" descr="C:\dev\decaf\doc\logo\decaf.png"/>
+          <p:cNvPr id="6148" name="Picture 4" descr="http://amix.dk/uploads/coffeescript_logo.png"/>
           <p:cNvPicPr>
             <a:picLocks noChangeAspect="1" noChangeArrowheads="1"/>
           </p:cNvPicPr>
@@ -3433,8 +3534,8 @@
         </p:blipFill>
         <p:spPr bwMode="auto">
           <a:xfrm>
-            <a:off x="2032000" y="2476500"/>
-            <a:ext cx="5080001" cy="1905000"/>
+            <a:off x="2343150" y="2933700"/>
+            <a:ext cx="4457700" cy="990600"/>
           </a:xfrm>
           <a:prstGeom prst="rect">
             <a:avLst/>
@@ -3454,7 +3555,7 @@
     </p:spTree>
     <p:extLst>
       <p:ext uri="{BB962C8B-B14F-4D97-AF65-F5344CB8AC3E}">
-        <p14:creationId xmlns:p14="http://schemas.microsoft.com/office/powerpoint/2010/main" val="1095755835"/>
+        <p14:creationId xmlns:p14="http://schemas.microsoft.com/office/powerpoint/2010/main" val="3024884483"/>
       </p:ext>
     </p:extLst>
   </p:cSld>
@@ -3490,49 +3591,41 @@
       </p:grpSpPr>
       <p:pic>
         <p:nvPicPr>
-          <p:cNvPr id="4098" name="Picture 2" descr="http://media.tumblr.com/tumblr_lu58xb7G6P1qgsh8n.png"/>
+          <p:cNvPr id="2" name="Conways_game_of_life_breeder_animation.gif">
+            <a:hlinkClick r:id="" action="ppaction://media"/>
+          </p:cNvPr>
           <p:cNvPicPr>
-            <a:picLocks noChangeAspect="1" noChangeArrowheads="1"/>
+            <a:picLocks noChangeAspect="1"/>
           </p:cNvPicPr>
-          <p:nvPr/>
+          <p:nvPr>
+            <a:videoFile r:link="rId2"/>
+            <p:extLst>
+              <p:ext uri="{DAA4B4D4-6D71-4841-9C94-3DE7FCFB9230}">
+                <p14:media xmlns:p14="http://schemas.microsoft.com/office/powerpoint/2010/main" r:embed="rId1"/>
+              </p:ext>
+            </p:extLst>
+          </p:nvPr>
         </p:nvPicPr>
         <p:blipFill>
-          <a:blip r:embed="rId2">
-            <a:extLst>
-              <a:ext uri="{28A0092B-C50C-407E-A947-70E740481C1C}">
-                <a14:useLocalDpi xmlns:a14="http://schemas.microsoft.com/office/drawing/2010/main" val="0"/>
-              </a:ext>
-            </a:extLst>
-          </a:blip>
-          <a:srcRect/>
+          <a:blip r:embed="rId4"/>
           <a:stretch>
             <a:fillRect/>
           </a:stretch>
         </p:blipFill>
-        <p:spPr bwMode="auto">
+        <p:spPr>
           <a:xfrm>
-            <a:off x="0" y="-1"/>
-            <a:ext cx="9144000" cy="7022759"/>
+            <a:off x="0" y="76200"/>
+            <a:ext cx="9143999" cy="4876799"/>
           </a:xfrm>
           <a:prstGeom prst="rect">
             <a:avLst/>
           </a:prstGeom>
-          <a:noFill/>
-          <a:extLst>
-            <a:ext uri="{909E8E84-426E-40DD-AFC4-6F175D3DCCD1}">
-              <a14:hiddenFill xmlns:a14="http://schemas.microsoft.com/office/drawing/2010/main">
-                <a:solidFill>
-                  <a:srgbClr val="FFFFFF"/>
-                </a:solidFill>
-              </a14:hiddenFill>
-            </a:ext>
-          </a:extLst>
         </p:spPr>
       </p:pic>
     </p:spTree>
     <p:extLst>
       <p:ext uri="{BB962C8B-B14F-4D97-AF65-F5344CB8AC3E}">
-        <p14:creationId xmlns:p14="http://schemas.microsoft.com/office/powerpoint/2010/main" val="1402605667"/>
+        <p14:creationId xmlns:p14="http://schemas.microsoft.com/office/powerpoint/2010/main" val="17141570"/>
       </p:ext>
     </p:extLst>
   </p:cSld>
@@ -3542,7 +3635,138 @@
   <p:timing>
     <p:tnLst>
       <p:par>
-        <p:cTn id="1" dur="indefinite" restart="never" nodeType="tmRoot"/>
+        <p:cTn id="1" dur="indefinite" restart="never" nodeType="tmRoot">
+          <p:childTnLst>
+            <p:seq concurrent="1" nextAc="seek">
+              <p:cTn id="2" dur="indefinite" nodeType="mainSeq">
+                <p:childTnLst>
+                  <p:par>
+                    <p:cTn id="3" fill="hold">
+                      <p:stCondLst>
+                        <p:cond delay="indefinite"/>
+                        <p:cond evt="onBegin" delay="0">
+                          <p:tn val="2"/>
+                        </p:cond>
+                      </p:stCondLst>
+                      <p:childTnLst>
+                        <p:par>
+                          <p:cTn id="4" fill="hold">
+                            <p:stCondLst>
+                              <p:cond delay="0"/>
+                            </p:stCondLst>
+                            <p:childTnLst>
+                              <p:par>
+                                <p:cTn id="5" presetID="1" presetClass="mediacall" presetSubtype="0" fill="hold" nodeType="afterEffect">
+                                  <p:stCondLst>
+                                    <p:cond delay="0"/>
+                                  </p:stCondLst>
+                                  <p:childTnLst>
+                                    <p:cmd type="call" cmd="playFrom(0.0)">
+                                      <p:cBhvr>
+                                        <p:cTn id="6" dur="51340" fill="hold"/>
+                                        <p:tgtEl>
+                                          <p:spTgt spid="2"/>
+                                        </p:tgtEl>
+                                      </p:cBhvr>
+                                    </p:cmd>
+                                  </p:childTnLst>
+                                </p:cTn>
+                              </p:par>
+                            </p:childTnLst>
+                          </p:cTn>
+                        </p:par>
+                      </p:childTnLst>
+                    </p:cTn>
+                  </p:par>
+                </p:childTnLst>
+              </p:cTn>
+              <p:prevCondLst>
+                <p:cond evt="onPrev" delay="0">
+                  <p:tgtEl>
+                    <p:sldTgt/>
+                  </p:tgtEl>
+                </p:cond>
+              </p:prevCondLst>
+              <p:nextCondLst>
+                <p:cond evt="onNext" delay="0">
+                  <p:tgtEl>
+                    <p:sldTgt/>
+                  </p:tgtEl>
+                </p:cond>
+              </p:nextCondLst>
+            </p:seq>
+            <p:video>
+              <p:cMediaNode vol="80000">
+                <p:cTn id="7" repeatCount="indefinite" fill="remove" display="0">
+                  <p:stCondLst>
+                    <p:cond delay="indefinite"/>
+                  </p:stCondLst>
+                </p:cTn>
+                <p:tgtEl>
+                  <p:spTgt spid="2"/>
+                </p:tgtEl>
+              </p:cMediaNode>
+            </p:video>
+            <p:seq concurrent="1" nextAc="seek">
+              <p:cTn id="8" restart="whenNotActive" fill="hold" evtFilter="cancelBubble" nodeType="interactiveSeq">
+                <p:stCondLst>
+                  <p:cond evt="onClick" delay="0">
+                    <p:tgtEl>
+                      <p:spTgt spid="2"/>
+                    </p:tgtEl>
+                  </p:cond>
+                </p:stCondLst>
+                <p:endSync evt="end" delay="0">
+                  <p:rtn val="all"/>
+                </p:endSync>
+                <p:childTnLst>
+                  <p:par>
+                    <p:cTn id="9" fill="hold">
+                      <p:stCondLst>
+                        <p:cond delay="0"/>
+                      </p:stCondLst>
+                      <p:childTnLst>
+                        <p:par>
+                          <p:cTn id="10" fill="hold">
+                            <p:stCondLst>
+                              <p:cond delay="0"/>
+                            </p:stCondLst>
+                            <p:childTnLst>
+                              <p:par>
+                                <p:cTn id="11" presetID="2" presetClass="mediacall" presetSubtype="0" fill="hold" nodeType="clickEffect">
+                                  <p:stCondLst>
+                                    <p:cond delay="0"/>
+                                  </p:stCondLst>
+                                  <p:childTnLst>
+                                    <p:cmd type="call" cmd="togglePause">
+                                      <p:cBhvr>
+                                        <p:cTn id="12" dur="1" fill="hold"/>
+                                        <p:tgtEl>
+                                          <p:spTgt spid="2"/>
+                                        </p:tgtEl>
+                                      </p:cBhvr>
+                                    </p:cmd>
+                                  </p:childTnLst>
+                                </p:cTn>
+                              </p:par>
+                            </p:childTnLst>
+                          </p:cTn>
+                        </p:par>
+                      </p:childTnLst>
+                    </p:cTn>
+                  </p:par>
+                </p:childTnLst>
+              </p:cTn>
+              <p:nextCondLst>
+                <p:cond evt="onClick" delay="0">
+                  <p:tgtEl>
+                    <p:spTgt spid="2"/>
+                  </p:tgtEl>
+                </p:cond>
+              </p:nextCondLst>
+            </p:seq>
+          </p:childTnLst>
+        </p:cTn>
       </p:par>
     </p:tnLst>
   </p:timing>
@@ -3552,47 +3776,12 @@
 <file path=ppt/slides/slide7.xml><?xml version="1.0" encoding="utf-8"?>
 <p:sld xmlns:a="http://schemas.openxmlformats.org/drawingml/2006/main" xmlns:r="http://schemas.openxmlformats.org/officeDocument/2006/relationships" xmlns:p="http://schemas.openxmlformats.org/presentationml/2006/main">
   <p:cSld>
-    <p:spTree>
-      <p:nvGrpSpPr>
-        <p:cNvPr id="1" name=""/>
-        <p:cNvGrpSpPr/>
-        <p:nvPr/>
-      </p:nvGrpSpPr>
-      <p:grpSpPr>
-        <a:xfrm>
-          <a:off x="0" y="0"/>
-          <a:ext cx="0" cy="0"/>
-          <a:chOff x="0" y="0"/>
-          <a:chExt cx="0" cy="0"/>
-        </a:xfrm>
-      </p:grpSpPr>
-    </p:spTree>
-    <p:extLst>
-      <p:ext uri="{BB962C8B-B14F-4D97-AF65-F5344CB8AC3E}">
-        <p14:creationId xmlns:p14="http://schemas.microsoft.com/office/powerpoint/2010/main" val="3024884483"/>
-      </p:ext>
-    </p:extLst>
-  </p:cSld>
-  <p:clrMapOvr>
-    <a:masterClrMapping/>
-  </p:clrMapOvr>
-  <p:timing>
-    <p:tnLst>
-      <p:par>
-        <p:cTn id="1" dur="indefinite" restart="never" nodeType="tmRoot"/>
-      </p:par>
-    </p:tnLst>
-  </p:timing>
-</p:sld>
-</file>
-
-<file path=ppt/slides/slide8.xml><?xml version="1.0" encoding="utf-8"?>
-<p:sld xmlns:a="http://schemas.openxmlformats.org/drawingml/2006/main" xmlns:r="http://schemas.openxmlformats.org/officeDocument/2006/relationships" xmlns:p="http://schemas.openxmlformats.org/presentationml/2006/main">
-  <p:cSld>
     <p:bg>
       <p:bgPr>
         <a:solidFill>
-          <a:srgbClr val="D9DFC9"/>
+          <a:schemeClr val="bg1">
+            <a:lumMod val="65000"/>
+          </a:schemeClr>
         </a:solidFill>
         <a:effectLst/>
       </p:bgPr>
